--- a/Specifications/wideband-acoustic-immittance/GUI-Screens.pptx
+++ b/Specifications/wideband-acoustic-immittance/GUI-Screens.pptx
@@ -3686,7 +3686,7 @@
                     <a:ea typeface="+mn-ea"/>
                     <a:cs typeface="+mn-cs"/>
                   </a:rPr>
-                  <a:t>Title: “Swept OAE” </a:t>
+                  <a:t>Title: WAI</a:t>
                 </a:r>
                 <a:endParaRPr lang="en-US" b="1" dirty="0"/>
               </a:p>
@@ -3823,11 +3823,17 @@
           <p:cNvGraphicFramePr>
             <a:graphicFrameLocks noGrp="1"/>
           </p:cNvGraphicFramePr>
-          <p:nvPr/>
+          <p:nvPr>
+            <p:extLst>
+              <p:ext uri="{D42A27DB-BD31-4B8C-83A1-F6EECF244321}">
+                <p14:modId xmlns:p14="http://schemas.microsoft.com/office/powerpoint/2010/main" val="3487682757"/>
+              </p:ext>
+            </p:extLst>
+          </p:nvPr>
         </p:nvGraphicFramePr>
         <p:xfrm>
           <a:off x="3678348" y="1422249"/>
-          <a:ext cx="4795974" cy="3048000"/>
+          <a:ext cx="4795974" cy="2743200"/>
         </p:xfrm>
         <a:graphic>
           <a:graphicData uri="http://schemas.openxmlformats.org/drawingml/2006/table">
@@ -4021,63 +4027,6 @@
                 <a:extLst>
                   <a:ext uri="{0D108BD9-81ED-4DB2-BD59-A6C34878D82A}">
                     <a16:rowId xmlns:a16="http://schemas.microsoft.com/office/drawing/2014/main" val="865106306"/>
-                  </a:ext>
-                </a:extLst>
-              </a:tr>
-              <a:tr h="281251">
-                <a:tc>
-                  <a:txBody>
-                    <a:bodyPr/>
-                    <a:lstStyle/>
-                    <a:p>
-                      <a:r>
-                        <a:rPr lang="en-US" sz="1400" dirty="0">
-                          <a:solidFill>
-                            <a:schemeClr val="bg2">
-                              <a:lumMod val="25000"/>
-                            </a:schemeClr>
-                          </a:solidFill>
-                        </a:rPr>
-                        <a:t>Ratio</a:t>
-                      </a:r>
-                    </a:p>
-                  </a:txBody>
-                  <a:tcPr>
-                    <a:solidFill>
-                      <a:schemeClr val="bg1">
-                        <a:lumMod val="85000"/>
-                      </a:schemeClr>
-                    </a:solidFill>
-                  </a:tcPr>
-                </a:tc>
-                <a:tc>
-                  <a:txBody>
-                    <a:bodyPr/>
-                    <a:lstStyle/>
-                    <a:p>
-                      <a:r>
-                        <a:rPr lang="en-US" sz="1400" dirty="0">
-                          <a:solidFill>
-                            <a:schemeClr val="bg2">
-                              <a:lumMod val="25000"/>
-                            </a:schemeClr>
-                          </a:solidFill>
-                        </a:rPr>
-                        <a:t>[ratioF]</a:t>
-                      </a:r>
-                    </a:p>
-                  </a:txBody>
-                  <a:tcPr>
-                    <a:solidFill>
-                      <a:schemeClr val="bg1">
-                        <a:lumMod val="85000"/>
-                      </a:schemeClr>
-                    </a:solidFill>
-                  </a:tcPr>
-                </a:tc>
-                <a:extLst>
-                  <a:ext uri="{0D108BD9-81ED-4DB2-BD59-A6C34878D82A}">
-                    <a16:rowId xmlns:a16="http://schemas.microsoft.com/office/drawing/2014/main" val="195460091"/>
                   </a:ext>
                 </a:extLst>
               </a:tr>
@@ -4752,22 +4701,7 @@
                     <a:ea typeface="+mn-ea"/>
                     <a:cs typeface="+mn-cs"/>
                   </a:rPr>
-                  <a:t>Instruction Text: “Press Submit to start</a:t>
-                </a:r>
-                <a:r>
-                  <a:rPr lang="en-US" dirty="0"/>
-                  <a:t> the exam</a:t>
-                </a:r>
-                <a:r>
-                  <a:rPr lang="en-US" kern="1200" dirty="0">
-                    <a:solidFill>
-                      <a:schemeClr val="tx1"/>
-                    </a:solidFill>
-                    <a:latin typeface="+mn-lt"/>
-                    <a:ea typeface="+mn-ea"/>
-                    <a:cs typeface="+mn-cs"/>
-                  </a:rPr>
-                  <a:t>.” </a:t>
+                  <a:t>Instruction Text: “Exam in progress. Please wait.” </a:t>
                 </a:r>
                 <a:endParaRPr lang="en-US" sz="1100" dirty="0"/>
               </a:p>
@@ -4815,7 +4749,7 @@
                     <a:ea typeface="+mn-ea"/>
                     <a:cs typeface="+mn-cs"/>
                   </a:rPr>
-                  <a:t>Title: “Swept OAE” </a:t>
+                  <a:t>Title: WAI </a:t>
                 </a:r>
                 <a:endParaRPr lang="en-US" b="1" dirty="0"/>
               </a:p>
@@ -4957,14 +4891,14 @@
           <p:nvPr>
             <p:extLst>
               <p:ext uri="{D42A27DB-BD31-4B8C-83A1-F6EECF244321}">
-                <p14:modId xmlns:p14="http://schemas.microsoft.com/office/powerpoint/2010/main" val="811630087"/>
+                <p14:modId xmlns:p14="http://schemas.microsoft.com/office/powerpoint/2010/main" val="1470876809"/>
               </p:ext>
             </p:extLst>
           </p:nvPr>
         </p:nvGraphicFramePr>
         <p:xfrm>
           <a:off x="3678348" y="1422249"/>
-          <a:ext cx="4795974" cy="3048000"/>
+          <a:ext cx="4795974" cy="2743200"/>
         </p:xfrm>
         <a:graphic>
           <a:graphicData uri="http://schemas.openxmlformats.org/drawingml/2006/table">
@@ -5158,63 +5092,6 @@
                 <a:extLst>
                   <a:ext uri="{0D108BD9-81ED-4DB2-BD59-A6C34878D82A}">
                     <a16:rowId xmlns:a16="http://schemas.microsoft.com/office/drawing/2014/main" val="865106306"/>
-                  </a:ext>
-                </a:extLst>
-              </a:tr>
-              <a:tr h="281251">
-                <a:tc>
-                  <a:txBody>
-                    <a:bodyPr/>
-                    <a:lstStyle/>
-                    <a:p>
-                      <a:r>
-                        <a:rPr lang="en-US" sz="1400" dirty="0">
-                          <a:solidFill>
-                            <a:schemeClr val="bg2">
-                              <a:lumMod val="25000"/>
-                            </a:schemeClr>
-                          </a:solidFill>
-                        </a:rPr>
-                        <a:t>Ratio</a:t>
-                      </a:r>
-                    </a:p>
-                  </a:txBody>
-                  <a:tcPr>
-                    <a:solidFill>
-                      <a:schemeClr val="bg1">
-                        <a:lumMod val="85000"/>
-                      </a:schemeClr>
-                    </a:solidFill>
-                  </a:tcPr>
-                </a:tc>
-                <a:tc>
-                  <a:txBody>
-                    <a:bodyPr/>
-                    <a:lstStyle/>
-                    <a:p>
-                      <a:r>
-                        <a:rPr lang="en-US" sz="1400" dirty="0">
-                          <a:solidFill>
-                            <a:schemeClr val="bg2">
-                              <a:lumMod val="25000"/>
-                            </a:schemeClr>
-                          </a:solidFill>
-                        </a:rPr>
-                        <a:t>[ratioF]</a:t>
-                      </a:r>
-                    </a:p>
-                  </a:txBody>
-                  <a:tcPr>
-                    <a:solidFill>
-                      <a:schemeClr val="bg1">
-                        <a:lumMod val="85000"/>
-                      </a:schemeClr>
-                    </a:solidFill>
-                  </a:tcPr>
-                </a:tc>
-                <a:extLst>
-                  <a:ext uri="{0D108BD9-81ED-4DB2-BD59-A6C34878D82A}">
-                    <a16:rowId xmlns:a16="http://schemas.microsoft.com/office/drawing/2014/main" val="195460091"/>
                   </a:ext>
                 </a:extLst>
               </a:tr>
@@ -6134,476 +6011,6 @@
           </p:sp>
         </p:grpSp>
       </p:grpSp>
-      <p:graphicFrame>
-        <p:nvGraphicFramePr>
-          <p:cNvPr id="16" name="Table 15">
-            <a:extLst>
-              <a:ext uri="{FF2B5EF4-FFF2-40B4-BE49-F238E27FC236}">
-                <a16:creationId xmlns:a16="http://schemas.microsoft.com/office/drawing/2014/main" id="{273497DE-AFFF-6FB5-51EB-77753806FF3A}"/>
-              </a:ext>
-            </a:extLst>
-          </p:cNvPr>
-          <p:cNvGraphicFramePr>
-            <a:graphicFrameLocks noGrp="1"/>
-          </p:cNvGraphicFramePr>
-          <p:nvPr>
-            <p:extLst>
-              <p:ext uri="{D42A27DB-BD31-4B8C-83A1-F6EECF244321}">
-                <p14:modId xmlns:p14="http://schemas.microsoft.com/office/powerpoint/2010/main" val="1752776000"/>
-              </p:ext>
-            </p:extLst>
-          </p:nvPr>
-        </p:nvGraphicFramePr>
-        <p:xfrm>
-          <a:off x="4734630" y="4317262"/>
-          <a:ext cx="2722737" cy="1371600"/>
-        </p:xfrm>
-        <a:graphic>
-          <a:graphicData uri="http://schemas.openxmlformats.org/drawingml/2006/table">
-            <a:tbl>
-              <a:tblPr firstRow="1" bandRow="1">
-                <a:tableStyleId>{5C22544A-7EE6-4342-B048-85BDC9FD1C3A}</a:tableStyleId>
-              </a:tblPr>
-              <a:tblGrid>
-                <a:gridCol w="883906">
-                  <a:extLst>
-                    <a:ext uri="{9D8B030D-6E8A-4147-A177-3AD203B41FA5}">
-                      <a16:colId xmlns:a16="http://schemas.microsoft.com/office/drawing/2014/main" val="2668354969"/>
-                    </a:ext>
-                  </a:extLst>
-                </a:gridCol>
-                <a:gridCol w="910170">
-                  <a:extLst>
-                    <a:ext uri="{9D8B030D-6E8A-4147-A177-3AD203B41FA5}">
-                      <a16:colId xmlns:a16="http://schemas.microsoft.com/office/drawing/2014/main" val="3965875387"/>
-                    </a:ext>
-                  </a:extLst>
-                </a:gridCol>
-                <a:gridCol w="928661">
-                  <a:extLst>
-                    <a:ext uri="{9D8B030D-6E8A-4147-A177-3AD203B41FA5}">
-                      <a16:colId xmlns:a16="http://schemas.microsoft.com/office/drawing/2014/main" val="554942825"/>
-                    </a:ext>
-                  </a:extLst>
-                </a:gridCol>
-              </a:tblGrid>
-              <a:tr h="128657">
-                <a:tc>
-                  <a:txBody>
-                    <a:bodyPr/>
-                    <a:lstStyle/>
-                    <a:p>
-                      <a:pPr algn="ctr"/>
-                      <a:r>
-                        <a:rPr lang="en-US" sz="1200" dirty="0">
-                          <a:solidFill>
-                            <a:schemeClr val="bg2">
-                              <a:lumMod val="25000"/>
-                            </a:schemeClr>
-                          </a:solidFill>
-                        </a:rPr>
-                        <a:t>Result</a:t>
-                      </a:r>
-                    </a:p>
-                  </a:txBody>
-                  <a:tcPr>
-                    <a:solidFill>
-                      <a:schemeClr val="bg1">
-                        <a:lumMod val="85000"/>
-                      </a:schemeClr>
-                    </a:solidFill>
-                  </a:tcPr>
-                </a:tc>
-                <a:tc>
-                  <a:txBody>
-                    <a:bodyPr/>
-                    <a:lstStyle/>
-                    <a:p>
-                      <a:pPr algn="ctr"/>
-                      <a:r>
-                        <a:rPr lang="en-US" sz="1200" dirty="0">
-                          <a:solidFill>
-                            <a:schemeClr val="bg2">
-                              <a:lumMod val="25000"/>
-                            </a:schemeClr>
-                          </a:solidFill>
-                        </a:rPr>
-                        <a:t>Value</a:t>
-                      </a:r>
-                    </a:p>
-                  </a:txBody>
-                  <a:tcPr>
-                    <a:solidFill>
-                      <a:schemeClr val="bg1">
-                        <a:lumMod val="85000"/>
-                      </a:schemeClr>
-                    </a:solidFill>
-                  </a:tcPr>
-                </a:tc>
-                <a:tc>
-                  <a:txBody>
-                    <a:bodyPr/>
-                    <a:lstStyle/>
-                    <a:p>
-                      <a:pPr algn="ctr"/>
-                      <a:r>
-                        <a:rPr lang="en-US" sz="1200" dirty="0">
-                          <a:solidFill>
-                            <a:schemeClr val="bg2">
-                              <a:lumMod val="25000"/>
-                            </a:schemeClr>
-                          </a:solidFill>
-                        </a:rPr>
-                        <a:t>Units</a:t>
-                      </a:r>
-                    </a:p>
-                  </a:txBody>
-                  <a:tcPr>
-                    <a:solidFill>
-                      <a:schemeClr val="bg1">
-                        <a:lumMod val="85000"/>
-                      </a:schemeClr>
-                    </a:solidFill>
-                  </a:tcPr>
-                </a:tc>
-                <a:extLst>
-                  <a:ext uri="{0D108BD9-81ED-4DB2-BD59-A6C34878D82A}">
-                    <a16:rowId xmlns:a16="http://schemas.microsoft.com/office/drawing/2014/main" val="2673981942"/>
-                  </a:ext>
-                </a:extLst>
-              </a:tr>
-              <a:tr h="128657">
-                <a:tc>
-                  <a:txBody>
-                    <a:bodyPr/>
-                    <a:lstStyle/>
-                    <a:p>
-                      <a:pPr algn="ctr"/>
-                      <a:r>
-                        <a:rPr lang="en-US" sz="1200" dirty="0">
-                          <a:solidFill>
-                            <a:schemeClr val="bg2">
-                              <a:lumMod val="25000"/>
-                            </a:schemeClr>
-                          </a:solidFill>
-                        </a:rPr>
-                        <a:t>DpLow</a:t>
-                      </a:r>
-                    </a:p>
-                  </a:txBody>
-                  <a:tcPr>
-                    <a:solidFill>
-                      <a:schemeClr val="bg1">
-                        <a:lumMod val="85000"/>
-                      </a:schemeClr>
-                    </a:solidFill>
-                  </a:tcPr>
-                </a:tc>
-                <a:tc>
-                  <a:txBody>
-                    <a:bodyPr/>
-                    <a:lstStyle/>
-                    <a:p>
-                      <a:pPr algn="ctr"/>
-                      <a:endParaRPr lang="en-US" sz="1200" dirty="0">
-                        <a:solidFill>
-                          <a:schemeClr val="bg2">
-                            <a:lumMod val="25000"/>
-                          </a:schemeClr>
-                        </a:solidFill>
-                      </a:endParaRPr>
-                    </a:p>
-                  </a:txBody>
-                  <a:tcPr>
-                    <a:solidFill>
-                      <a:schemeClr val="bg1">
-                        <a:lumMod val="85000"/>
-                      </a:schemeClr>
-                    </a:solidFill>
-                  </a:tcPr>
-                </a:tc>
-                <a:tc>
-                  <a:txBody>
-                    <a:bodyPr/>
-                    <a:lstStyle/>
-                    <a:p>
-                      <a:pPr algn="ctr"/>
-                      <a:r>
-                        <a:rPr lang="en-US" sz="1200" dirty="0">
-                          <a:solidFill>
-                            <a:schemeClr val="bg2">
-                              <a:lumMod val="25000"/>
-                            </a:schemeClr>
-                          </a:solidFill>
-                        </a:rPr>
-                        <a:t>dB SPL</a:t>
-                      </a:r>
-                    </a:p>
-                  </a:txBody>
-                  <a:tcPr>
-                    <a:solidFill>
-                      <a:schemeClr val="bg1">
-                        <a:lumMod val="85000"/>
-                      </a:schemeClr>
-                    </a:solidFill>
-                  </a:tcPr>
-                </a:tc>
-                <a:extLst>
-                  <a:ext uri="{0D108BD9-81ED-4DB2-BD59-A6C34878D82A}">
-                    <a16:rowId xmlns:a16="http://schemas.microsoft.com/office/drawing/2014/main" val="3684690503"/>
-                  </a:ext>
-                </a:extLst>
-              </a:tr>
-              <a:tr h="128657">
-                <a:tc>
-                  <a:txBody>
-                    <a:bodyPr/>
-                    <a:lstStyle/>
-                    <a:p>
-                      <a:pPr algn="ctr"/>
-                      <a:r>
-                        <a:rPr lang="en-US" sz="1200" dirty="0">
-                          <a:solidFill>
-                            <a:schemeClr val="bg2">
-                              <a:lumMod val="25000"/>
-                            </a:schemeClr>
-                          </a:solidFill>
-                        </a:rPr>
-                        <a:t>DpHigh</a:t>
-                      </a:r>
-                    </a:p>
-                  </a:txBody>
-                  <a:tcPr>
-                    <a:solidFill>
-                      <a:schemeClr val="bg1">
-                        <a:lumMod val="85000"/>
-                      </a:schemeClr>
-                    </a:solidFill>
-                  </a:tcPr>
-                </a:tc>
-                <a:tc>
-                  <a:txBody>
-                    <a:bodyPr/>
-                    <a:lstStyle/>
-                    <a:p>
-                      <a:pPr algn="ctr"/>
-                      <a:endParaRPr lang="en-US" sz="1200" dirty="0">
-                        <a:solidFill>
-                          <a:schemeClr val="bg2">
-                            <a:lumMod val="25000"/>
-                          </a:schemeClr>
-                        </a:solidFill>
-                      </a:endParaRPr>
-                    </a:p>
-                  </a:txBody>
-                  <a:tcPr>
-                    <a:solidFill>
-                      <a:schemeClr val="bg1">
-                        <a:lumMod val="85000"/>
-                      </a:schemeClr>
-                    </a:solidFill>
-                  </a:tcPr>
-                </a:tc>
-                <a:tc>
-                  <a:txBody>
-                    <a:bodyPr/>
-                    <a:lstStyle/>
-                    <a:p>
-                      <a:pPr algn="ctr"/>
-                      <a:r>
-                        <a:rPr lang="en-US" sz="1200" dirty="0">
-                          <a:solidFill>
-                            <a:schemeClr val="bg2">
-                              <a:lumMod val="25000"/>
-                            </a:schemeClr>
-                          </a:solidFill>
-                        </a:rPr>
-                        <a:t>dB SPL</a:t>
-                      </a:r>
-                    </a:p>
-                  </a:txBody>
-                  <a:tcPr>
-                    <a:solidFill>
-                      <a:schemeClr val="bg1">
-                        <a:lumMod val="85000"/>
-                      </a:schemeClr>
-                    </a:solidFill>
-                  </a:tcPr>
-                </a:tc>
-                <a:extLst>
-                  <a:ext uri="{0D108BD9-81ED-4DB2-BD59-A6C34878D82A}">
-                    <a16:rowId xmlns:a16="http://schemas.microsoft.com/office/drawing/2014/main" val="2297099642"/>
-                  </a:ext>
-                </a:extLst>
-              </a:tr>
-              <a:tr h="128657">
-                <a:tc>
-                  <a:txBody>
-                    <a:bodyPr/>
-                    <a:lstStyle/>
-                    <a:p>
-                      <a:pPr algn="ctr"/>
-                      <a:r>
-                        <a:rPr lang="en-US" sz="1200" dirty="0">
-                          <a:solidFill>
-                            <a:schemeClr val="bg2">
-                              <a:lumMod val="25000"/>
-                            </a:schemeClr>
-                          </a:solidFill>
-                        </a:rPr>
-                        <a:t>F1</a:t>
-                      </a:r>
-                    </a:p>
-                  </a:txBody>
-                  <a:tcPr>
-                    <a:solidFill>
-                      <a:schemeClr val="bg1">
-                        <a:lumMod val="85000"/>
-                      </a:schemeClr>
-                    </a:solidFill>
-                  </a:tcPr>
-                </a:tc>
-                <a:tc>
-                  <a:txBody>
-                    <a:bodyPr/>
-                    <a:lstStyle/>
-                    <a:p>
-                      <a:pPr algn="ctr"/>
-                      <a:endParaRPr lang="en-US" sz="1200" dirty="0">
-                        <a:solidFill>
-                          <a:schemeClr val="bg2">
-                            <a:lumMod val="25000"/>
-                          </a:schemeClr>
-                        </a:solidFill>
-                      </a:endParaRPr>
-                    </a:p>
-                  </a:txBody>
-                  <a:tcPr>
-                    <a:solidFill>
-                      <a:schemeClr val="bg1">
-                        <a:lumMod val="85000"/>
-                      </a:schemeClr>
-                    </a:solidFill>
-                  </a:tcPr>
-                </a:tc>
-                <a:tc>
-                  <a:txBody>
-                    <a:bodyPr/>
-                    <a:lstStyle/>
-                    <a:p>
-                      <a:pPr algn="ctr"/>
-                      <a:r>
-                        <a:rPr lang="en-US" sz="1200" dirty="0">
-                          <a:solidFill>
-                            <a:schemeClr val="bg2">
-                              <a:lumMod val="25000"/>
-                            </a:schemeClr>
-                          </a:solidFill>
-                        </a:rPr>
-                        <a:t>dB SPL</a:t>
-                      </a:r>
-                    </a:p>
-                  </a:txBody>
-                  <a:tcPr>
-                    <a:solidFill>
-                      <a:schemeClr val="bg1">
-                        <a:lumMod val="85000"/>
-                      </a:schemeClr>
-                    </a:solidFill>
-                  </a:tcPr>
-                </a:tc>
-                <a:extLst>
-                  <a:ext uri="{0D108BD9-81ED-4DB2-BD59-A6C34878D82A}">
-                    <a16:rowId xmlns:a16="http://schemas.microsoft.com/office/drawing/2014/main" val="3212293561"/>
-                  </a:ext>
-                </a:extLst>
-              </a:tr>
-              <a:tr h="128657">
-                <a:tc>
-                  <a:txBody>
-                    <a:bodyPr/>
-                    <a:lstStyle/>
-                    <a:p>
-                      <a:pPr algn="ctr"/>
-                      <a:r>
-                        <a:rPr lang="en-US" sz="1200" dirty="0">
-                          <a:solidFill>
-                            <a:schemeClr val="bg2">
-                              <a:lumMod val="25000"/>
-                            </a:schemeClr>
-                          </a:solidFill>
-                        </a:rPr>
-                        <a:t>F2</a:t>
-                      </a:r>
-                    </a:p>
-                  </a:txBody>
-                  <a:tcPr>
-                    <a:solidFill>
-                      <a:schemeClr val="bg1">
-                        <a:lumMod val="85000"/>
-                      </a:schemeClr>
-                    </a:solidFill>
-                  </a:tcPr>
-                </a:tc>
-                <a:tc>
-                  <a:txBody>
-                    <a:bodyPr/>
-                    <a:lstStyle/>
-                    <a:p>
-                      <a:pPr algn="ctr"/>
-                      <a:endParaRPr lang="en-US" sz="1200" dirty="0">
-                        <a:solidFill>
-                          <a:schemeClr val="bg2">
-                            <a:lumMod val="25000"/>
-                          </a:schemeClr>
-                        </a:solidFill>
-                      </a:endParaRPr>
-                    </a:p>
-                  </a:txBody>
-                  <a:tcPr>
-                    <a:solidFill>
-                      <a:schemeClr val="bg1">
-                        <a:lumMod val="85000"/>
-                      </a:schemeClr>
-                    </a:solidFill>
-                  </a:tcPr>
-                </a:tc>
-                <a:tc>
-                  <a:txBody>
-                    <a:bodyPr/>
-                    <a:lstStyle/>
-                    <a:p>
-                      <a:pPr algn="ctr"/>
-                      <a:r>
-                        <a:rPr lang="en-US" sz="1200" dirty="0">
-                          <a:solidFill>
-                            <a:schemeClr val="bg2">
-                              <a:lumMod val="25000"/>
-                            </a:schemeClr>
-                          </a:solidFill>
-                        </a:rPr>
-                        <a:t>dB SPL</a:t>
-                      </a:r>
-                    </a:p>
-                  </a:txBody>
-                  <a:tcPr>
-                    <a:solidFill>
-                      <a:schemeClr val="bg1">
-                        <a:lumMod val="85000"/>
-                      </a:schemeClr>
-                    </a:solidFill>
-                  </a:tcPr>
-                </a:tc>
-                <a:extLst>
-                  <a:ext uri="{0D108BD9-81ED-4DB2-BD59-A6C34878D82A}">
-                    <a16:rowId xmlns:a16="http://schemas.microsoft.com/office/drawing/2014/main" val="2407321425"/>
-                  </a:ext>
-                </a:extLst>
-              </a:tr>
-            </a:tbl>
-          </a:graphicData>
-        </a:graphic>
-      </p:graphicFrame>
       <p:sp>
         <p:nvSpPr>
           <p:cNvPr id="17" name="Flowchart: Terminator 16">
@@ -6779,7 +6186,7 @@
         </p:blipFill>
         <p:spPr>
           <a:xfrm>
-            <a:off x="3686161" y="1396132"/>
+            <a:off x="3705826" y="1465330"/>
             <a:ext cx="4780029" cy="2689637"/>
           </a:xfrm>
           <a:prstGeom prst="rect">

--- a/Specifications/wideband-acoustic-immittance/GUI-Screens.pptx
+++ b/Specifications/wideband-acoustic-immittance/GUI-Screens.pptx
@@ -261,7 +261,7 @@
           <a:p>
             <a:fld id="{6E783203-F72E-42D3-9F56-E7123AD26E23}" type="datetimeFigureOut">
               <a:rPr lang="en-US" smtClean="0"/>
-              <a:t>11/14/2024</a:t>
+              <a:t>1/8/2025</a:t>
             </a:fld>
             <a:endParaRPr lang="en-US"/>
           </a:p>
@@ -459,7 +459,7 @@
           <a:p>
             <a:fld id="{6E783203-F72E-42D3-9F56-E7123AD26E23}" type="datetimeFigureOut">
               <a:rPr lang="en-US" smtClean="0"/>
-              <a:t>11/14/2024</a:t>
+              <a:t>1/8/2025</a:t>
             </a:fld>
             <a:endParaRPr lang="en-US"/>
           </a:p>
@@ -667,7 +667,7 @@
           <a:p>
             <a:fld id="{6E783203-F72E-42D3-9F56-E7123AD26E23}" type="datetimeFigureOut">
               <a:rPr lang="en-US" smtClean="0"/>
-              <a:t>11/14/2024</a:t>
+              <a:t>1/8/2025</a:t>
             </a:fld>
             <a:endParaRPr lang="en-US"/>
           </a:p>
@@ -865,7 +865,7 @@
           <a:p>
             <a:fld id="{6E783203-F72E-42D3-9F56-E7123AD26E23}" type="datetimeFigureOut">
               <a:rPr lang="en-US" smtClean="0"/>
-              <a:t>11/14/2024</a:t>
+              <a:t>1/8/2025</a:t>
             </a:fld>
             <a:endParaRPr lang="en-US"/>
           </a:p>
@@ -1140,7 +1140,7 @@
           <a:p>
             <a:fld id="{6E783203-F72E-42D3-9F56-E7123AD26E23}" type="datetimeFigureOut">
               <a:rPr lang="en-US" smtClean="0"/>
-              <a:t>11/14/2024</a:t>
+              <a:t>1/8/2025</a:t>
             </a:fld>
             <a:endParaRPr lang="en-US"/>
           </a:p>
@@ -1405,7 +1405,7 @@
           <a:p>
             <a:fld id="{6E783203-F72E-42D3-9F56-E7123AD26E23}" type="datetimeFigureOut">
               <a:rPr lang="en-US" smtClean="0"/>
-              <a:t>11/14/2024</a:t>
+              <a:t>1/8/2025</a:t>
             </a:fld>
             <a:endParaRPr lang="en-US"/>
           </a:p>
@@ -1817,7 +1817,7 @@
           <a:p>
             <a:fld id="{6E783203-F72E-42D3-9F56-E7123AD26E23}" type="datetimeFigureOut">
               <a:rPr lang="en-US" smtClean="0"/>
-              <a:t>11/14/2024</a:t>
+              <a:t>1/8/2025</a:t>
             </a:fld>
             <a:endParaRPr lang="en-US"/>
           </a:p>
@@ -1958,7 +1958,7 @@
           <a:p>
             <a:fld id="{6E783203-F72E-42D3-9F56-E7123AD26E23}" type="datetimeFigureOut">
               <a:rPr lang="en-US" smtClean="0"/>
-              <a:t>11/14/2024</a:t>
+              <a:t>1/8/2025</a:t>
             </a:fld>
             <a:endParaRPr lang="en-US"/>
           </a:p>
@@ -2071,7 +2071,7 @@
           <a:p>
             <a:fld id="{6E783203-F72E-42D3-9F56-E7123AD26E23}" type="datetimeFigureOut">
               <a:rPr lang="en-US" smtClean="0"/>
-              <a:t>11/14/2024</a:t>
+              <a:t>1/8/2025</a:t>
             </a:fld>
             <a:endParaRPr lang="en-US"/>
           </a:p>
@@ -2382,7 +2382,7 @@
           <a:p>
             <a:fld id="{6E783203-F72E-42D3-9F56-E7123AD26E23}" type="datetimeFigureOut">
               <a:rPr lang="en-US" smtClean="0"/>
-              <a:t>11/14/2024</a:t>
+              <a:t>1/8/2025</a:t>
             </a:fld>
             <a:endParaRPr lang="en-US"/>
           </a:p>
@@ -2670,7 +2670,7 @@
           <a:p>
             <a:fld id="{6E783203-F72E-42D3-9F56-E7123AD26E23}" type="datetimeFigureOut">
               <a:rPr lang="en-US" smtClean="0"/>
-              <a:t>11/14/2024</a:t>
+              <a:t>1/8/2025</a:t>
             </a:fld>
             <a:endParaRPr lang="en-US"/>
           </a:p>
@@ -2911,7 +2911,7 @@
           <a:p>
             <a:fld id="{6E783203-F72E-42D3-9F56-E7123AD26E23}" type="datetimeFigureOut">
               <a:rPr lang="en-US" smtClean="0"/>
-              <a:t>11/14/2024</a:t>
+              <a:t>1/8/2025</a:t>
             </a:fld>
             <a:endParaRPr lang="en-US"/>
           </a:p>
@@ -3826,14 +3826,14 @@
           <p:nvPr>
             <p:extLst>
               <p:ext uri="{D42A27DB-BD31-4B8C-83A1-F6EECF244321}">
-                <p14:modId xmlns:p14="http://schemas.microsoft.com/office/powerpoint/2010/main" val="3487682757"/>
+                <p14:modId xmlns:p14="http://schemas.microsoft.com/office/powerpoint/2010/main" val="2872603722"/>
               </p:ext>
             </p:extLst>
           </p:nvPr>
         </p:nvGraphicFramePr>
         <p:xfrm>
-          <a:off x="3678348" y="1422249"/>
-          <a:ext cx="4795974" cy="2743200"/>
+          <a:off x="3678348" y="1330809"/>
+          <a:ext cx="4795974" cy="3352800"/>
         </p:xfrm>
         <a:graphic>
           <a:graphicData uri="http://schemas.openxmlformats.org/drawingml/2006/table">
@@ -3955,7 +3955,21 @@
                             </a:schemeClr>
                           </a:solidFill>
                         </a:rPr>
-                        <a:t>[start_F2]</a:t>
+                        <a:t>[</a:t>
+                      </a:r>
+                      <a:r>
+                        <a:rPr lang="en-US" sz="1400" dirty="0"/>
+                        <a:t>fStart</a:t>
+                      </a:r>
+                      <a:r>
+                        <a:rPr lang="en-US" sz="1400" dirty="0">
+                          <a:solidFill>
+                            <a:schemeClr val="bg2">
+                              <a:lumMod val="25000"/>
+                            </a:schemeClr>
+                          </a:solidFill>
+                        </a:rPr>
+                        <a:t>]</a:t>
                       </a:r>
                     </a:p>
                   </a:txBody>
@@ -4012,7 +4026,7 @@
                             </a:schemeClr>
                           </a:solidFill>
                         </a:rPr>
-                        <a:t>[end_F2]</a:t>
+                        <a:t>[fEnd]</a:t>
                       </a:r>
                     </a:p>
                   </a:txBody>
@@ -4069,7 +4083,7 @@
                             </a:schemeClr>
                           </a:solidFill>
                         </a:rPr>
-                        <a:t>[SweepDuration]</a:t>
+                        <a:t>[sweepDuration]</a:t>
                       </a:r>
                     </a:p>
                   </a:txBody>
@@ -4084,63 +4098,6 @@
                 <a:extLst>
                   <a:ext uri="{0D108BD9-81ED-4DB2-BD59-A6C34878D82A}">
                     <a16:rowId xmlns:a16="http://schemas.microsoft.com/office/drawing/2014/main" val="3721407146"/>
-                  </a:ext>
-                </a:extLst>
-              </a:tr>
-              <a:tr h="281251">
-                <a:tc>
-                  <a:txBody>
-                    <a:bodyPr/>
-                    <a:lstStyle/>
-                    <a:p>
-                      <a:r>
-                        <a:rPr lang="en-US" sz="1400" dirty="0">
-                          <a:solidFill>
-                            <a:schemeClr val="bg2">
-                              <a:lumMod val="25000"/>
-                            </a:schemeClr>
-                          </a:solidFill>
-                        </a:rPr>
-                        <a:t>Window Duration [s]</a:t>
-                      </a:r>
-                    </a:p>
-                  </a:txBody>
-                  <a:tcPr>
-                    <a:solidFill>
-                      <a:schemeClr val="bg1">
-                        <a:lumMod val="85000"/>
-                      </a:schemeClr>
-                    </a:solidFill>
-                  </a:tcPr>
-                </a:tc>
-                <a:tc>
-                  <a:txBody>
-                    <a:bodyPr/>
-                    <a:lstStyle/>
-                    <a:p>
-                      <a:r>
-                        <a:rPr lang="en-US" sz="1400" dirty="0">
-                          <a:solidFill>
-                            <a:schemeClr val="bg2">
-                              <a:lumMod val="25000"/>
-                            </a:schemeClr>
-                          </a:solidFill>
-                        </a:rPr>
-                        <a:t>[WindowDuration]</a:t>
-                      </a:r>
-                    </a:p>
-                  </a:txBody>
-                  <a:tcPr>
-                    <a:solidFill>
-                      <a:schemeClr val="bg1">
-                        <a:lumMod val="85000"/>
-                      </a:schemeClr>
-                    </a:solidFill>
-                  </a:tcPr>
-                </a:tc>
-                <a:extLst>
-                  <a:ext uri="{0D108BD9-81ED-4DB2-BD59-A6C34878D82A}">
-                    <a16:rowId xmlns:a16="http://schemas.microsoft.com/office/drawing/2014/main" val="328923842"/>
                   </a:ext>
                 </a:extLst>
               </a:tr>
@@ -4215,7 +4172,7 @@
                             </a:schemeClr>
                           </a:solidFill>
                         </a:rPr>
-                        <a:t>Minimum Num Sweeps</a:t>
+                        <a:t>Level</a:t>
                       </a:r>
                     </a:p>
                   </a:txBody>
@@ -4240,7 +4197,121 @@
                             </a:schemeClr>
                           </a:solidFill>
                         </a:rPr>
-                        <a:t>[MinSweeps]</a:t>
+                        <a:t>[L]</a:t>
+                      </a:r>
+                    </a:p>
+                  </a:txBody>
+                  <a:tcPr>
+                    <a:solidFill>
+                      <a:schemeClr val="bg1">
+                        <a:lumMod val="85000"/>
+                      </a:schemeClr>
+                    </a:solidFill>
+                  </a:tcPr>
+                </a:tc>
+                <a:extLst>
+                  <a:ext uri="{0D108BD9-81ED-4DB2-BD59-A6C34878D82A}">
+                    <a16:rowId xmlns:a16="http://schemas.microsoft.com/office/drawing/2014/main" val="2312946803"/>
+                  </a:ext>
+                </a:extLst>
+              </a:tr>
+              <a:tr h="281251">
+                <a:tc>
+                  <a:txBody>
+                    <a:bodyPr/>
+                    <a:lstStyle/>
+                    <a:p>
+                      <a:r>
+                        <a:rPr lang="en-US" sz="1400" dirty="0">
+                          <a:solidFill>
+                            <a:schemeClr val="bg2">
+                              <a:lumMod val="25000"/>
+                            </a:schemeClr>
+                          </a:solidFill>
+                        </a:rPr>
+                        <a:t>Number of Sweeps</a:t>
+                      </a:r>
+                    </a:p>
+                  </a:txBody>
+                  <a:tcPr>
+                    <a:solidFill>
+                      <a:schemeClr val="bg1">
+                        <a:lumMod val="85000"/>
+                      </a:schemeClr>
+                    </a:solidFill>
+                  </a:tcPr>
+                </a:tc>
+                <a:tc>
+                  <a:txBody>
+                    <a:bodyPr/>
+                    <a:lstStyle/>
+                    <a:p>
+                      <a:r>
+                        <a:rPr lang="en-US" sz="1400" dirty="0">
+                          <a:solidFill>
+                            <a:schemeClr val="bg2">
+                              <a:lumMod val="25000"/>
+                            </a:schemeClr>
+                          </a:solidFill>
+                        </a:rPr>
+                        <a:t>[numSweeps]</a:t>
+                      </a:r>
+                    </a:p>
+                  </a:txBody>
+                  <a:tcPr>
+                    <a:solidFill>
+                      <a:schemeClr val="bg1">
+                        <a:lumMod val="85000"/>
+                      </a:schemeClr>
+                    </a:solidFill>
+                  </a:tcPr>
+                </a:tc>
+                <a:extLst>
+                  <a:ext uri="{0D108BD9-81ED-4DB2-BD59-A6C34878D82A}">
+                    <a16:rowId xmlns:a16="http://schemas.microsoft.com/office/drawing/2014/main" val="844528380"/>
+                  </a:ext>
+                </a:extLst>
+              </a:tr>
+              <a:tr h="281251">
+                <a:tc>
+                  <a:txBody>
+                    <a:bodyPr/>
+                    <a:lstStyle/>
+                    <a:p>
+                      <a:r>
+                        <a:rPr lang="en-US" sz="1400" dirty="0">
+                          <a:solidFill>
+                            <a:schemeClr val="bg2">
+                              <a:lumMod val="25000"/>
+                            </a:schemeClr>
+                          </a:solidFill>
+                        </a:rPr>
+                        <a:t>Window Duration [s]</a:t>
+                      </a:r>
+                    </a:p>
+                  </a:txBody>
+                  <a:tcPr>
+                    <a:solidFill>
+                      <a:schemeClr val="bg1">
+                        <a:lumMod val="85000"/>
+                      </a:schemeClr>
+                    </a:solidFill>
+                  </a:tcPr>
+                </a:tc>
+                <a:tc>
+                  <a:txBody>
+                    <a:bodyPr/>
+                    <a:lstStyle/>
+                    <a:p>
+                      <a:r>
+                        <a:rPr lang="en-US" sz="1400" dirty="0">
+                          <a:solidFill>
+                            <a:schemeClr val="bg2">
+                              <a:lumMod val="25000"/>
+                            </a:schemeClr>
+                          </a:solidFill>
+                        </a:rPr>
+                        <a:t>[windowDuration]</a:t>
                       </a:r>
                     </a:p>
                   </a:txBody>
@@ -4272,7 +4343,7 @@
                             </a:schemeClr>
                           </a:solidFill>
                         </a:rPr>
-                        <a:t>Maximum Num Sweeps</a:t>
+                        <a:t>Number of Frequencies</a:t>
                       </a:r>
                     </a:p>
                   </a:txBody>
@@ -4297,7 +4368,7 @@
                             </a:schemeClr>
                           </a:solidFill>
                         </a:rPr>
-                        <a:t>[MaxSweeps]</a:t>
+                        <a:t>[numFrequencies]</a:t>
                       </a:r>
                     </a:p>
                   </a:txBody>
@@ -4311,7 +4382,7 @@
                 </a:tc>
                 <a:extLst>
                   <a:ext uri="{0D108BD9-81ED-4DB2-BD59-A6C34878D82A}">
-                    <a16:rowId xmlns:a16="http://schemas.microsoft.com/office/drawing/2014/main" val="3148996428"/>
+                    <a16:rowId xmlns:a16="http://schemas.microsoft.com/office/drawing/2014/main" val="2937760740"/>
                   </a:ext>
                 </a:extLst>
               </a:tr>
@@ -4329,7 +4400,7 @@
                             </a:schemeClr>
                           </a:solidFill>
                         </a:rPr>
-                        <a:t>Noise Floor Threshold</a:t>
+                        <a:t>Filename</a:t>
                       </a:r>
                     </a:p>
                   </a:txBody>
@@ -4354,7 +4425,7 @@
                             </a:schemeClr>
                           </a:solidFill>
                         </a:rPr>
-                        <a:t>[MinDpNoiseFloorThresh]</a:t>
+                        <a:t>[filename]</a:t>
                       </a:r>
                     </a:p>
                   </a:txBody>
@@ -4368,7 +4439,64 @@
                 </a:tc>
                 <a:extLst>
                   <a:ext uri="{0D108BD9-81ED-4DB2-BD59-A6C34878D82A}">
-                    <a16:rowId xmlns:a16="http://schemas.microsoft.com/office/drawing/2014/main" val="3605474839"/>
+                    <a16:rowId xmlns:a16="http://schemas.microsoft.com/office/drawing/2014/main" val="3546267409"/>
+                  </a:ext>
+                </a:extLst>
+              </a:tr>
+              <a:tr h="281251">
+                <a:tc>
+                  <a:txBody>
+                    <a:bodyPr/>
+                    <a:lstStyle/>
+                    <a:p>
+                      <a:r>
+                        <a:rPr lang="en-US" sz="1400" dirty="0">
+                          <a:solidFill>
+                            <a:schemeClr val="bg2">
+                              <a:lumMod val="25000"/>
+                            </a:schemeClr>
+                          </a:solidFill>
+                        </a:rPr>
+                        <a:t>Output Raw Measurements</a:t>
+                      </a:r>
+                    </a:p>
+                  </a:txBody>
+                  <a:tcPr>
+                    <a:solidFill>
+                      <a:schemeClr val="bg1">
+                        <a:lumMod val="85000"/>
+                      </a:schemeClr>
+                    </a:solidFill>
+                  </a:tcPr>
+                </a:tc>
+                <a:tc>
+                  <a:txBody>
+                    <a:bodyPr/>
+                    <a:lstStyle/>
+                    <a:p>
+                      <a:r>
+                        <a:rPr lang="en-US" sz="1400" dirty="0">
+                          <a:solidFill>
+                            <a:schemeClr val="bg2">
+                              <a:lumMod val="25000"/>
+                            </a:schemeClr>
+                          </a:solidFill>
+                        </a:rPr>
+                        <a:t>[outputRawMeasurements]</a:t>
+                      </a:r>
+                    </a:p>
+                  </a:txBody>
+                  <a:tcPr>
+                    <a:solidFill>
+                      <a:schemeClr val="bg1">
+                        <a:lumMod val="85000"/>
+                      </a:schemeClr>
+                    </a:solidFill>
+                  </a:tcPr>
+                </a:tc>
+                <a:extLst>
+                  <a:ext uri="{0D108BD9-81ED-4DB2-BD59-A6C34878D82A}">
+                    <a16:rowId xmlns:a16="http://schemas.microsoft.com/office/drawing/2014/main" val="3222292318"/>
                   </a:ext>
                 </a:extLst>
               </a:tr>
@@ -4876,12 +5004,209 @@
           </a:p>
         </p:txBody>
       </p:sp>
+      <p:sp>
+        <p:nvSpPr>
+          <p:cNvPr id="7" name="Rectangle: Rounded Corners 6">
+            <a:extLst>
+              <a:ext uri="{FF2B5EF4-FFF2-40B4-BE49-F238E27FC236}">
+                <a16:creationId xmlns:a16="http://schemas.microsoft.com/office/drawing/2014/main" id="{BADCF599-63B3-BF6B-3598-BF7EC630439D}"/>
+              </a:ext>
+            </a:extLst>
+          </p:cNvPr>
+          <p:cNvSpPr/>
+          <p:nvPr/>
+        </p:nvSpPr>
+        <p:spPr>
+          <a:xfrm>
+            <a:off x="3678348" y="5065873"/>
+            <a:ext cx="4795974" cy="346332"/>
+          </a:xfrm>
+          <a:prstGeom prst="roundRect">
+            <a:avLst/>
+          </a:prstGeom>
+          <a:noFill/>
+        </p:spPr>
+        <p:style>
+          <a:lnRef idx="2">
+            <a:schemeClr val="accent1">
+              <a:shade val="15000"/>
+            </a:schemeClr>
+          </a:lnRef>
+          <a:fillRef idx="1">
+            <a:schemeClr val="accent1"/>
+          </a:fillRef>
+          <a:effectRef idx="0">
+            <a:schemeClr val="accent1"/>
+          </a:effectRef>
+          <a:fontRef idx="minor">
+            <a:schemeClr val="lt1"/>
+          </a:fontRef>
+        </p:style>
+        <p:txBody>
+          <a:bodyPr rtlCol="0" anchor="ctr"/>
+          <a:lstStyle/>
+          <a:p>
+            <a:pPr algn="ctr"/>
+            <a:endParaRPr lang="en-US" dirty="0"/>
+          </a:p>
+        </p:txBody>
+      </p:sp>
+      <p:sp>
+        <p:nvSpPr>
+          <p:cNvPr id="8" name="Rectangle: Rounded Corners 7">
+            <a:extLst>
+              <a:ext uri="{FF2B5EF4-FFF2-40B4-BE49-F238E27FC236}">
+                <a16:creationId xmlns:a16="http://schemas.microsoft.com/office/drawing/2014/main" id="{8B3C557B-FF12-1CD9-B572-93C7A973DB0D}"/>
+              </a:ext>
+            </a:extLst>
+          </p:cNvPr>
+          <p:cNvSpPr/>
+          <p:nvPr/>
+        </p:nvSpPr>
+        <p:spPr>
+          <a:xfrm>
+            <a:off x="3678348" y="5061494"/>
+            <a:ext cx="3818007" cy="346332"/>
+          </a:xfrm>
+          <a:prstGeom prst="roundRect">
+            <a:avLst/>
+          </a:prstGeom>
+          <a:solidFill>
+            <a:srgbClr val="33AAEE"/>
+          </a:solidFill>
+          <a:ln>
+            <a:noFill/>
+          </a:ln>
+        </p:spPr>
+        <p:style>
+          <a:lnRef idx="2">
+            <a:schemeClr val="accent1">
+              <a:shade val="15000"/>
+            </a:schemeClr>
+          </a:lnRef>
+          <a:fillRef idx="1">
+            <a:schemeClr val="accent1"/>
+          </a:fillRef>
+          <a:effectRef idx="0">
+            <a:schemeClr val="accent1"/>
+          </a:effectRef>
+          <a:fontRef idx="minor">
+            <a:schemeClr val="lt1"/>
+          </a:fontRef>
+        </p:style>
+        <p:txBody>
+          <a:bodyPr rtlCol="0" anchor="ctr"/>
+          <a:lstStyle/>
+          <a:p>
+            <a:pPr algn="ctr"/>
+            <a:endParaRPr lang="en-US"/>
+          </a:p>
+        </p:txBody>
+      </p:sp>
+      <p:sp>
+        <p:nvSpPr>
+          <p:cNvPr id="16" name="TextBox 15">
+            <a:extLst>
+              <a:ext uri="{FF2B5EF4-FFF2-40B4-BE49-F238E27FC236}">
+                <a16:creationId xmlns:a16="http://schemas.microsoft.com/office/drawing/2014/main" id="{C9F218D7-B754-E6DA-9A39-41A7CB1FDBAD}"/>
+              </a:ext>
+            </a:extLst>
+          </p:cNvPr>
+          <p:cNvSpPr txBox="1"/>
+          <p:nvPr/>
+        </p:nvSpPr>
+        <p:spPr>
+          <a:xfrm>
+            <a:off x="5551295" y="4759196"/>
+            <a:ext cx="1057405" cy="307777"/>
+          </a:xfrm>
+          <a:prstGeom prst="rect">
+            <a:avLst/>
+          </a:prstGeom>
+          <a:noFill/>
+        </p:spPr>
+        <p:txBody>
+          <a:bodyPr wrap="none" rtlCol="0">
+            <a:spAutoFit/>
+          </a:bodyPr>
+          <a:lstStyle/>
+          <a:p>
+            <a:r>
+              <a:rPr lang="en-US" sz="1400" dirty="0"/>
+              <a:t>Completed</a:t>
+            </a:r>
+          </a:p>
+        </p:txBody>
+      </p:sp>
+      <p:sp>
+        <p:nvSpPr>
+          <p:cNvPr id="6" name="Flowchart: Terminator 5">
+            <a:extLst>
+              <a:ext uri="{FF2B5EF4-FFF2-40B4-BE49-F238E27FC236}">
+                <a16:creationId xmlns:a16="http://schemas.microsoft.com/office/drawing/2014/main" id="{7834EFD9-8B62-312B-24B4-9CC41DC25D38}"/>
+              </a:ext>
+            </a:extLst>
+          </p:cNvPr>
+          <p:cNvSpPr/>
+          <p:nvPr/>
+        </p:nvSpPr>
+        <p:spPr>
+          <a:xfrm>
+            <a:off x="4039468" y="5856656"/>
+            <a:ext cx="1327450" cy="546260"/>
+          </a:xfrm>
+          <a:prstGeom prst="flowChartTerminator">
+            <a:avLst/>
+          </a:prstGeom>
+          <a:solidFill>
+            <a:srgbClr val="FF0000"/>
+          </a:solidFill>
+          <a:ln>
+            <a:noFill/>
+          </a:ln>
+          <a:effectLst>
+            <a:outerShdw blurRad="63500" sx="102000" sy="102000" algn="ctr" rotWithShape="0">
+              <a:prstClr val="black">
+                <a:alpha val="40000"/>
+              </a:prstClr>
+            </a:outerShdw>
+          </a:effectLst>
+        </p:spPr>
+        <p:style>
+          <a:lnRef idx="2">
+            <a:schemeClr val="accent1">
+              <a:shade val="15000"/>
+            </a:schemeClr>
+          </a:lnRef>
+          <a:fillRef idx="1">
+            <a:schemeClr val="accent1"/>
+          </a:fillRef>
+          <a:effectRef idx="0">
+            <a:schemeClr val="accent1"/>
+          </a:effectRef>
+          <a:fontRef idx="minor">
+            <a:schemeClr val="lt1"/>
+          </a:fontRef>
+        </p:style>
+        <p:txBody>
+          <a:bodyPr rtlCol="0" anchor="ctr"/>
+          <a:lstStyle/>
+          <a:p>
+            <a:pPr algn="ctr"/>
+            <a:r>
+              <a:rPr lang="en-US" sz="2400" dirty="0"/>
+              <a:t>Abort</a:t>
+            </a:r>
+            <a:endParaRPr lang="en-US" dirty="0"/>
+          </a:p>
+        </p:txBody>
+      </p:sp>
       <p:graphicFrame>
         <p:nvGraphicFramePr>
-          <p:cNvPr id="13" name="Table 12">
-            <a:extLst>
-              <a:ext uri="{FF2B5EF4-FFF2-40B4-BE49-F238E27FC236}">
-                <a16:creationId xmlns:a16="http://schemas.microsoft.com/office/drawing/2014/main" id="{A1F86302-C652-83AF-24BD-7801A5146468}"/>
+          <p:cNvPr id="15" name="Table 14">
+            <a:extLst>
+              <a:ext uri="{FF2B5EF4-FFF2-40B4-BE49-F238E27FC236}">
+                <a16:creationId xmlns:a16="http://schemas.microsoft.com/office/drawing/2014/main" id="{770A971B-5F86-5C68-C268-9238D94F1EA4}"/>
               </a:ext>
             </a:extLst>
           </p:cNvPr>
@@ -4891,14 +5216,14 @@
           <p:nvPr>
             <p:extLst>
               <p:ext uri="{D42A27DB-BD31-4B8C-83A1-F6EECF244321}">
-                <p14:modId xmlns:p14="http://schemas.microsoft.com/office/powerpoint/2010/main" val="1470876809"/>
+                <p14:modId xmlns:p14="http://schemas.microsoft.com/office/powerpoint/2010/main" val="1655702651"/>
               </p:ext>
             </p:extLst>
           </p:nvPr>
         </p:nvGraphicFramePr>
         <p:xfrm>
-          <a:off x="3678348" y="1422249"/>
-          <a:ext cx="4795974" cy="2743200"/>
+          <a:off x="3678348" y="1330809"/>
+          <a:ext cx="4795974" cy="3352800"/>
         </p:xfrm>
         <a:graphic>
           <a:graphicData uri="http://schemas.openxmlformats.org/drawingml/2006/table">
@@ -5020,7 +5345,21 @@
                             </a:schemeClr>
                           </a:solidFill>
                         </a:rPr>
-                        <a:t>[start_F2]</a:t>
+                        <a:t>[</a:t>
+                      </a:r>
+                      <a:r>
+                        <a:rPr lang="en-US" sz="1400" dirty="0"/>
+                        <a:t>fStart</a:t>
+                      </a:r>
+                      <a:r>
+                        <a:rPr lang="en-US" sz="1400" dirty="0">
+                          <a:solidFill>
+                            <a:schemeClr val="bg2">
+                              <a:lumMod val="25000"/>
+                            </a:schemeClr>
+                          </a:solidFill>
+                        </a:rPr>
+                        <a:t>]</a:t>
                       </a:r>
                     </a:p>
                   </a:txBody>
@@ -5077,7 +5416,7 @@
                             </a:schemeClr>
                           </a:solidFill>
                         </a:rPr>
-                        <a:t>[end_F2]</a:t>
+                        <a:t>[fEnd]</a:t>
                       </a:r>
                     </a:p>
                   </a:txBody>
@@ -5134,7 +5473,7 @@
                             </a:schemeClr>
                           </a:solidFill>
                         </a:rPr>
-                        <a:t>[SweepDuration]</a:t>
+                        <a:t>[sweepDuration]</a:t>
                       </a:r>
                     </a:p>
                   </a:txBody>
@@ -5149,63 +5488,6 @@
                 <a:extLst>
                   <a:ext uri="{0D108BD9-81ED-4DB2-BD59-A6C34878D82A}">
                     <a16:rowId xmlns:a16="http://schemas.microsoft.com/office/drawing/2014/main" val="3721407146"/>
-                  </a:ext>
-                </a:extLst>
-              </a:tr>
-              <a:tr h="281251">
-                <a:tc>
-                  <a:txBody>
-                    <a:bodyPr/>
-                    <a:lstStyle/>
-                    <a:p>
-                      <a:r>
-                        <a:rPr lang="en-US" sz="1400" dirty="0">
-                          <a:solidFill>
-                            <a:schemeClr val="bg2">
-                              <a:lumMod val="25000"/>
-                            </a:schemeClr>
-                          </a:solidFill>
-                        </a:rPr>
-                        <a:t>Window Duration [s]</a:t>
-                      </a:r>
-                    </a:p>
-                  </a:txBody>
-                  <a:tcPr>
-                    <a:solidFill>
-                      <a:schemeClr val="bg1">
-                        <a:lumMod val="85000"/>
-                      </a:schemeClr>
-                    </a:solidFill>
-                  </a:tcPr>
-                </a:tc>
-                <a:tc>
-                  <a:txBody>
-                    <a:bodyPr/>
-                    <a:lstStyle/>
-                    <a:p>
-                      <a:r>
-                        <a:rPr lang="en-US" sz="1400" dirty="0">
-                          <a:solidFill>
-                            <a:schemeClr val="bg2">
-                              <a:lumMod val="25000"/>
-                            </a:schemeClr>
-                          </a:solidFill>
-                        </a:rPr>
-                        <a:t>[WindowDuration]</a:t>
-                      </a:r>
-                    </a:p>
-                  </a:txBody>
-                  <a:tcPr>
-                    <a:solidFill>
-                      <a:schemeClr val="bg1">
-                        <a:lumMod val="85000"/>
-                      </a:schemeClr>
-                    </a:solidFill>
-                  </a:tcPr>
-                </a:tc>
-                <a:extLst>
-                  <a:ext uri="{0D108BD9-81ED-4DB2-BD59-A6C34878D82A}">
-                    <a16:rowId xmlns:a16="http://schemas.microsoft.com/office/drawing/2014/main" val="328923842"/>
                   </a:ext>
                 </a:extLst>
               </a:tr>
@@ -5280,7 +5562,7 @@
                             </a:schemeClr>
                           </a:solidFill>
                         </a:rPr>
-                        <a:t>Minimum Num Sweeps</a:t>
+                        <a:t>Level</a:t>
                       </a:r>
                     </a:p>
                   </a:txBody>
@@ -5305,7 +5587,121 @@
                             </a:schemeClr>
                           </a:solidFill>
                         </a:rPr>
-                        <a:t>[MinSweeps]</a:t>
+                        <a:t>[L]</a:t>
+                      </a:r>
+                    </a:p>
+                  </a:txBody>
+                  <a:tcPr>
+                    <a:solidFill>
+                      <a:schemeClr val="bg1">
+                        <a:lumMod val="85000"/>
+                      </a:schemeClr>
+                    </a:solidFill>
+                  </a:tcPr>
+                </a:tc>
+                <a:extLst>
+                  <a:ext uri="{0D108BD9-81ED-4DB2-BD59-A6C34878D82A}">
+                    <a16:rowId xmlns:a16="http://schemas.microsoft.com/office/drawing/2014/main" val="2312946803"/>
+                  </a:ext>
+                </a:extLst>
+              </a:tr>
+              <a:tr h="281251">
+                <a:tc>
+                  <a:txBody>
+                    <a:bodyPr/>
+                    <a:lstStyle/>
+                    <a:p>
+                      <a:r>
+                        <a:rPr lang="en-US" sz="1400" dirty="0">
+                          <a:solidFill>
+                            <a:schemeClr val="bg2">
+                              <a:lumMod val="25000"/>
+                            </a:schemeClr>
+                          </a:solidFill>
+                        </a:rPr>
+                        <a:t>Number of Sweeps</a:t>
+                      </a:r>
+                    </a:p>
+                  </a:txBody>
+                  <a:tcPr>
+                    <a:solidFill>
+                      <a:schemeClr val="bg1">
+                        <a:lumMod val="85000"/>
+                      </a:schemeClr>
+                    </a:solidFill>
+                  </a:tcPr>
+                </a:tc>
+                <a:tc>
+                  <a:txBody>
+                    <a:bodyPr/>
+                    <a:lstStyle/>
+                    <a:p>
+                      <a:r>
+                        <a:rPr lang="en-US" sz="1400" dirty="0">
+                          <a:solidFill>
+                            <a:schemeClr val="bg2">
+                              <a:lumMod val="25000"/>
+                            </a:schemeClr>
+                          </a:solidFill>
+                        </a:rPr>
+                        <a:t>[numSweeps]</a:t>
+                      </a:r>
+                    </a:p>
+                  </a:txBody>
+                  <a:tcPr>
+                    <a:solidFill>
+                      <a:schemeClr val="bg1">
+                        <a:lumMod val="85000"/>
+                      </a:schemeClr>
+                    </a:solidFill>
+                  </a:tcPr>
+                </a:tc>
+                <a:extLst>
+                  <a:ext uri="{0D108BD9-81ED-4DB2-BD59-A6C34878D82A}">
+                    <a16:rowId xmlns:a16="http://schemas.microsoft.com/office/drawing/2014/main" val="844528380"/>
+                  </a:ext>
+                </a:extLst>
+              </a:tr>
+              <a:tr h="281251">
+                <a:tc>
+                  <a:txBody>
+                    <a:bodyPr/>
+                    <a:lstStyle/>
+                    <a:p>
+                      <a:r>
+                        <a:rPr lang="en-US" sz="1400" dirty="0">
+                          <a:solidFill>
+                            <a:schemeClr val="bg2">
+                              <a:lumMod val="25000"/>
+                            </a:schemeClr>
+                          </a:solidFill>
+                        </a:rPr>
+                        <a:t>Window Duration [s]</a:t>
+                      </a:r>
+                    </a:p>
+                  </a:txBody>
+                  <a:tcPr>
+                    <a:solidFill>
+                      <a:schemeClr val="bg1">
+                        <a:lumMod val="85000"/>
+                      </a:schemeClr>
+                    </a:solidFill>
+                  </a:tcPr>
+                </a:tc>
+                <a:tc>
+                  <a:txBody>
+                    <a:bodyPr/>
+                    <a:lstStyle/>
+                    <a:p>
+                      <a:r>
+                        <a:rPr lang="en-US" sz="1400" dirty="0">
+                          <a:solidFill>
+                            <a:schemeClr val="bg2">
+                              <a:lumMod val="25000"/>
+                            </a:schemeClr>
+                          </a:solidFill>
+                        </a:rPr>
+                        <a:t>[windowDuration]</a:t>
                       </a:r>
                     </a:p>
                   </a:txBody>
@@ -5337,7 +5733,7 @@
                             </a:schemeClr>
                           </a:solidFill>
                         </a:rPr>
-                        <a:t>Maximum Num Sweeps</a:t>
+                        <a:t>Number of Frequencies</a:t>
                       </a:r>
                     </a:p>
                   </a:txBody>
@@ -5362,7 +5758,7 @@
                             </a:schemeClr>
                           </a:solidFill>
                         </a:rPr>
-                        <a:t>[MaxSweeps]</a:t>
+                        <a:t>[numFrequencies]</a:t>
                       </a:r>
                     </a:p>
                   </a:txBody>
@@ -5376,7 +5772,7 @@
                 </a:tc>
                 <a:extLst>
                   <a:ext uri="{0D108BD9-81ED-4DB2-BD59-A6C34878D82A}">
-                    <a16:rowId xmlns:a16="http://schemas.microsoft.com/office/drawing/2014/main" val="3148996428"/>
+                    <a16:rowId xmlns:a16="http://schemas.microsoft.com/office/drawing/2014/main" val="2937760740"/>
                   </a:ext>
                 </a:extLst>
               </a:tr>
@@ -5394,7 +5790,7 @@
                             </a:schemeClr>
                           </a:solidFill>
                         </a:rPr>
-                        <a:t>Noise Floor Threshold</a:t>
+                        <a:t>Filename</a:t>
                       </a:r>
                     </a:p>
                   </a:txBody>
@@ -5419,7 +5815,7 @@
                             </a:schemeClr>
                           </a:solidFill>
                         </a:rPr>
-                        <a:t>[MinDpNoiseFloorThresh]</a:t>
+                        <a:t>[filename]</a:t>
                       </a:r>
                     </a:p>
                   </a:txBody>
@@ -5433,7 +5829,64 @@
                 </a:tc>
                 <a:extLst>
                   <a:ext uri="{0D108BD9-81ED-4DB2-BD59-A6C34878D82A}">
-                    <a16:rowId xmlns:a16="http://schemas.microsoft.com/office/drawing/2014/main" val="3605474839"/>
+                    <a16:rowId xmlns:a16="http://schemas.microsoft.com/office/drawing/2014/main" val="3546267409"/>
+                  </a:ext>
+                </a:extLst>
+              </a:tr>
+              <a:tr h="281251">
+                <a:tc>
+                  <a:txBody>
+                    <a:bodyPr/>
+                    <a:lstStyle/>
+                    <a:p>
+                      <a:r>
+                        <a:rPr lang="en-US" sz="1400" dirty="0">
+                          <a:solidFill>
+                            <a:schemeClr val="bg2">
+                              <a:lumMod val="25000"/>
+                            </a:schemeClr>
+                          </a:solidFill>
+                        </a:rPr>
+                        <a:t>Output Raw Measurements</a:t>
+                      </a:r>
+                    </a:p>
+                  </a:txBody>
+                  <a:tcPr>
+                    <a:solidFill>
+                      <a:schemeClr val="bg1">
+                        <a:lumMod val="85000"/>
+                      </a:schemeClr>
+                    </a:solidFill>
+                  </a:tcPr>
+                </a:tc>
+                <a:tc>
+                  <a:txBody>
+                    <a:bodyPr/>
+                    <a:lstStyle/>
+                    <a:p>
+                      <a:r>
+                        <a:rPr lang="en-US" sz="1400" dirty="0">
+                          <a:solidFill>
+                            <a:schemeClr val="bg2">
+                              <a:lumMod val="25000"/>
+                            </a:schemeClr>
+                          </a:solidFill>
+                        </a:rPr>
+                        <a:t>[outputRawMeasurements]</a:t>
+                      </a:r>
+                    </a:p>
+                  </a:txBody>
+                  <a:tcPr>
+                    <a:solidFill>
+                      <a:schemeClr val="bg1">
+                        <a:lumMod val="85000"/>
+                      </a:schemeClr>
+                    </a:solidFill>
+                  </a:tcPr>
+                </a:tc>
+                <a:extLst>
+                  <a:ext uri="{0D108BD9-81ED-4DB2-BD59-A6C34878D82A}">
+                    <a16:rowId xmlns:a16="http://schemas.microsoft.com/office/drawing/2014/main" val="3222292318"/>
                   </a:ext>
                 </a:extLst>
               </a:tr>
@@ -5441,203 +5894,6 @@
           </a:graphicData>
         </a:graphic>
       </p:graphicFrame>
-      <p:sp>
-        <p:nvSpPr>
-          <p:cNvPr id="7" name="Rectangle: Rounded Corners 6">
-            <a:extLst>
-              <a:ext uri="{FF2B5EF4-FFF2-40B4-BE49-F238E27FC236}">
-                <a16:creationId xmlns:a16="http://schemas.microsoft.com/office/drawing/2014/main" id="{BADCF599-63B3-BF6B-3598-BF7EC630439D}"/>
-              </a:ext>
-            </a:extLst>
-          </p:cNvPr>
-          <p:cNvSpPr/>
-          <p:nvPr/>
-        </p:nvSpPr>
-        <p:spPr>
-          <a:xfrm>
-            <a:off x="3678348" y="5065873"/>
-            <a:ext cx="4795974" cy="346332"/>
-          </a:xfrm>
-          <a:prstGeom prst="roundRect">
-            <a:avLst/>
-          </a:prstGeom>
-          <a:noFill/>
-        </p:spPr>
-        <p:style>
-          <a:lnRef idx="2">
-            <a:schemeClr val="accent1">
-              <a:shade val="15000"/>
-            </a:schemeClr>
-          </a:lnRef>
-          <a:fillRef idx="1">
-            <a:schemeClr val="accent1"/>
-          </a:fillRef>
-          <a:effectRef idx="0">
-            <a:schemeClr val="accent1"/>
-          </a:effectRef>
-          <a:fontRef idx="minor">
-            <a:schemeClr val="lt1"/>
-          </a:fontRef>
-        </p:style>
-        <p:txBody>
-          <a:bodyPr rtlCol="0" anchor="ctr"/>
-          <a:lstStyle/>
-          <a:p>
-            <a:pPr algn="ctr"/>
-            <a:endParaRPr lang="en-US" dirty="0"/>
-          </a:p>
-        </p:txBody>
-      </p:sp>
-      <p:sp>
-        <p:nvSpPr>
-          <p:cNvPr id="8" name="Rectangle: Rounded Corners 7">
-            <a:extLst>
-              <a:ext uri="{FF2B5EF4-FFF2-40B4-BE49-F238E27FC236}">
-                <a16:creationId xmlns:a16="http://schemas.microsoft.com/office/drawing/2014/main" id="{8B3C557B-FF12-1CD9-B572-93C7A973DB0D}"/>
-              </a:ext>
-            </a:extLst>
-          </p:cNvPr>
-          <p:cNvSpPr/>
-          <p:nvPr/>
-        </p:nvSpPr>
-        <p:spPr>
-          <a:xfrm>
-            <a:off x="3678348" y="5061494"/>
-            <a:ext cx="3818007" cy="346332"/>
-          </a:xfrm>
-          <a:prstGeom prst="roundRect">
-            <a:avLst/>
-          </a:prstGeom>
-          <a:solidFill>
-            <a:srgbClr val="33AAEE"/>
-          </a:solidFill>
-          <a:ln>
-            <a:noFill/>
-          </a:ln>
-        </p:spPr>
-        <p:style>
-          <a:lnRef idx="2">
-            <a:schemeClr val="accent1">
-              <a:shade val="15000"/>
-            </a:schemeClr>
-          </a:lnRef>
-          <a:fillRef idx="1">
-            <a:schemeClr val="accent1"/>
-          </a:fillRef>
-          <a:effectRef idx="0">
-            <a:schemeClr val="accent1"/>
-          </a:effectRef>
-          <a:fontRef idx="minor">
-            <a:schemeClr val="lt1"/>
-          </a:fontRef>
-        </p:style>
-        <p:txBody>
-          <a:bodyPr rtlCol="0" anchor="ctr"/>
-          <a:lstStyle/>
-          <a:p>
-            <a:pPr algn="ctr"/>
-            <a:endParaRPr lang="en-US"/>
-          </a:p>
-        </p:txBody>
-      </p:sp>
-      <p:sp>
-        <p:nvSpPr>
-          <p:cNvPr id="16" name="TextBox 15">
-            <a:extLst>
-              <a:ext uri="{FF2B5EF4-FFF2-40B4-BE49-F238E27FC236}">
-                <a16:creationId xmlns:a16="http://schemas.microsoft.com/office/drawing/2014/main" id="{C9F218D7-B754-E6DA-9A39-41A7CB1FDBAD}"/>
-              </a:ext>
-            </a:extLst>
-          </p:cNvPr>
-          <p:cNvSpPr txBox="1"/>
-          <p:nvPr/>
-        </p:nvSpPr>
-        <p:spPr>
-          <a:xfrm>
-            <a:off x="5551295" y="4759196"/>
-            <a:ext cx="1057405" cy="307777"/>
-          </a:xfrm>
-          <a:prstGeom prst="rect">
-            <a:avLst/>
-          </a:prstGeom>
-          <a:noFill/>
-        </p:spPr>
-        <p:txBody>
-          <a:bodyPr wrap="none" rtlCol="0">
-            <a:spAutoFit/>
-          </a:bodyPr>
-          <a:lstStyle/>
-          <a:p>
-            <a:r>
-              <a:rPr lang="en-US" sz="1400" dirty="0"/>
-              <a:t>Completed</a:t>
-            </a:r>
-          </a:p>
-        </p:txBody>
-      </p:sp>
-      <p:sp>
-        <p:nvSpPr>
-          <p:cNvPr id="6" name="Flowchart: Terminator 5">
-            <a:extLst>
-              <a:ext uri="{FF2B5EF4-FFF2-40B4-BE49-F238E27FC236}">
-                <a16:creationId xmlns:a16="http://schemas.microsoft.com/office/drawing/2014/main" id="{7834EFD9-8B62-312B-24B4-9CC41DC25D38}"/>
-              </a:ext>
-            </a:extLst>
-          </p:cNvPr>
-          <p:cNvSpPr/>
-          <p:nvPr/>
-        </p:nvSpPr>
-        <p:spPr>
-          <a:xfrm>
-            <a:off x="4039468" y="5856656"/>
-            <a:ext cx="1327450" cy="546260"/>
-          </a:xfrm>
-          <a:prstGeom prst="flowChartTerminator">
-            <a:avLst/>
-          </a:prstGeom>
-          <a:solidFill>
-            <a:srgbClr val="FF0000"/>
-          </a:solidFill>
-          <a:ln>
-            <a:noFill/>
-          </a:ln>
-          <a:effectLst>
-            <a:outerShdw blurRad="63500" sx="102000" sy="102000" algn="ctr" rotWithShape="0">
-              <a:prstClr val="black">
-                <a:alpha val="40000"/>
-              </a:prstClr>
-            </a:outerShdw>
-          </a:effectLst>
-        </p:spPr>
-        <p:style>
-          <a:lnRef idx="2">
-            <a:schemeClr val="accent1">
-              <a:shade val="15000"/>
-            </a:schemeClr>
-          </a:lnRef>
-          <a:fillRef idx="1">
-            <a:schemeClr val="accent1"/>
-          </a:fillRef>
-          <a:effectRef idx="0">
-            <a:schemeClr val="accent1"/>
-          </a:effectRef>
-          <a:fontRef idx="minor">
-            <a:schemeClr val="lt1"/>
-          </a:fontRef>
-        </p:style>
-        <p:txBody>
-          <a:bodyPr rtlCol="0" anchor="ctr"/>
-          <a:lstStyle/>
-          <a:p>
-            <a:pPr algn="ctr"/>
-            <a:r>
-              <a:rPr lang="en-US" sz="2400" dirty="0"/>
-              <a:t>Abort</a:t>
-            </a:r>
-            <a:endParaRPr lang="en-US" dirty="0"/>
-          </a:p>
-        </p:txBody>
-      </p:sp>
     </p:spTree>
     <p:extLst>
       <p:ext uri="{BB962C8B-B14F-4D97-AF65-F5344CB8AC3E}">
